--- a/traktor/mapping_xdj_xz/Support files/Source files/XDJ-XZ - Installation Instructions.pptx
+++ b/traktor/mapping_xdj_xz/Support files/Source files/XDJ-XZ - Installation Instructions.pptx
@@ -7,8 +7,10 @@
   <p:sldIdLst>
     <p:sldId id="256" r:id="rId2"/>
     <p:sldId id="259" r:id="rId3"/>
-    <p:sldId id="258" r:id="rId4"/>
-    <p:sldId id="257" r:id="rId5"/>
+    <p:sldId id="260" r:id="rId4"/>
+    <p:sldId id="261" r:id="rId5"/>
+    <p:sldId id="258" r:id="rId6"/>
+    <p:sldId id="257" r:id="rId7"/>
   </p:sldIdLst>
   <p:sldSz cx="9144000" cy="6858000" type="screen4x3"/>
   <p:notesSz cx="6858000" cy="9144000"/>
@@ -291,7 +293,7 @@
           <a:p>
             <a:fld id="{8663B94E-A626-433F-982C-2D80FFE8B9BA}" type="datetimeFigureOut">
               <a:rPr lang="en-US" smtClean="0"/>
-              <a:t>12/16/2019</a:t>
+              <a:t>12/28/2019</a:t>
             </a:fld>
             <a:endParaRPr lang="en-US"/>
           </a:p>
@@ -461,7 +463,7 @@
           <a:p>
             <a:fld id="{8663B94E-A626-433F-982C-2D80FFE8B9BA}" type="datetimeFigureOut">
               <a:rPr lang="en-US" smtClean="0"/>
-              <a:t>12/16/2019</a:t>
+              <a:t>12/28/2019</a:t>
             </a:fld>
             <a:endParaRPr lang="en-US"/>
           </a:p>
@@ -641,7 +643,7 @@
           <a:p>
             <a:fld id="{8663B94E-A626-433F-982C-2D80FFE8B9BA}" type="datetimeFigureOut">
               <a:rPr lang="en-US" smtClean="0"/>
-              <a:t>12/16/2019</a:t>
+              <a:t>12/28/2019</a:t>
             </a:fld>
             <a:endParaRPr lang="en-US"/>
           </a:p>
@@ -811,7 +813,7 @@
           <a:p>
             <a:fld id="{8663B94E-A626-433F-982C-2D80FFE8B9BA}" type="datetimeFigureOut">
               <a:rPr lang="en-US" smtClean="0"/>
-              <a:t>12/16/2019</a:t>
+              <a:t>12/28/2019</a:t>
             </a:fld>
             <a:endParaRPr lang="en-US"/>
           </a:p>
@@ -1057,7 +1059,7 @@
           <a:p>
             <a:fld id="{8663B94E-A626-433F-982C-2D80FFE8B9BA}" type="datetimeFigureOut">
               <a:rPr lang="en-US" smtClean="0"/>
-              <a:t>12/16/2019</a:t>
+              <a:t>12/28/2019</a:t>
             </a:fld>
             <a:endParaRPr lang="en-US"/>
           </a:p>
@@ -1345,7 +1347,7 @@
           <a:p>
             <a:fld id="{8663B94E-A626-433F-982C-2D80FFE8B9BA}" type="datetimeFigureOut">
               <a:rPr lang="en-US" smtClean="0"/>
-              <a:t>12/16/2019</a:t>
+              <a:t>12/28/2019</a:t>
             </a:fld>
             <a:endParaRPr lang="en-US"/>
           </a:p>
@@ -1767,7 +1769,7 @@
           <a:p>
             <a:fld id="{8663B94E-A626-433F-982C-2D80FFE8B9BA}" type="datetimeFigureOut">
               <a:rPr lang="en-US" smtClean="0"/>
-              <a:t>12/16/2019</a:t>
+              <a:t>12/28/2019</a:t>
             </a:fld>
             <a:endParaRPr lang="en-US"/>
           </a:p>
@@ -1885,7 +1887,7 @@
           <a:p>
             <a:fld id="{8663B94E-A626-433F-982C-2D80FFE8B9BA}" type="datetimeFigureOut">
               <a:rPr lang="en-US" smtClean="0"/>
-              <a:t>12/16/2019</a:t>
+              <a:t>12/28/2019</a:t>
             </a:fld>
             <a:endParaRPr lang="en-US"/>
           </a:p>
@@ -1980,7 +1982,7 @@
           <a:p>
             <a:fld id="{8663B94E-A626-433F-982C-2D80FFE8B9BA}" type="datetimeFigureOut">
               <a:rPr lang="en-US" smtClean="0"/>
-              <a:t>12/16/2019</a:t>
+              <a:t>12/28/2019</a:t>
             </a:fld>
             <a:endParaRPr lang="en-US"/>
           </a:p>
@@ -2257,7 +2259,7 @@
           <a:p>
             <a:fld id="{8663B94E-A626-433F-982C-2D80FFE8B9BA}" type="datetimeFigureOut">
               <a:rPr lang="en-US" smtClean="0"/>
-              <a:t>12/16/2019</a:t>
+              <a:t>12/28/2019</a:t>
             </a:fld>
             <a:endParaRPr lang="en-US"/>
           </a:p>
@@ -2510,7 +2512,7 @@
           <a:p>
             <a:fld id="{8663B94E-A626-433F-982C-2D80FFE8B9BA}" type="datetimeFigureOut">
               <a:rPr lang="en-US" smtClean="0"/>
-              <a:t>12/16/2019</a:t>
+              <a:t>12/28/2019</a:t>
             </a:fld>
             <a:endParaRPr lang="en-US"/>
           </a:p>
@@ -2723,7 +2725,7 @@
           <a:p>
             <a:fld id="{8663B94E-A626-433F-982C-2D80FFE8B9BA}" type="datetimeFigureOut">
               <a:rPr lang="en-US" smtClean="0"/>
-              <a:t>12/16/2019</a:t>
+              <a:t>12/28/2019</a:t>
             </a:fld>
             <a:endParaRPr lang="en-US"/>
           </a:p>
@@ -3239,6 +3241,562 @@
           <a:chExt cx="0" cy="0"/>
         </a:xfrm>
       </p:grpSpPr>
+      <p:sp>
+        <p:nvSpPr>
+          <p:cNvPr id="14" name="TextBox 13"/>
+          <p:cNvSpPr txBox="1"/>
+          <p:nvPr/>
+        </p:nvSpPr>
+        <p:spPr>
+          <a:xfrm>
+            <a:off x="164028" y="431761"/>
+            <a:ext cx="1232389" cy="369332"/>
+          </a:xfrm>
+          <a:prstGeom prst="rect">
+            <a:avLst/>
+          </a:prstGeom>
+          <a:noFill/>
+        </p:spPr>
+        <p:txBody>
+          <a:bodyPr wrap="none" rtlCol="0">
+            <a:spAutoFit/>
+          </a:bodyPr>
+          <a:lstStyle/>
+          <a:p>
+            <a:r>
+              <a:rPr lang="en-US" dirty="0" smtClean="0"/>
+              <a:t>XDJ </a:t>
+            </a:r>
+            <a:r>
+              <a:rPr lang="en-US" dirty="0" err="1" smtClean="0"/>
+              <a:t>Config</a:t>
+            </a:r>
+            <a:r>
+              <a:rPr lang="en-US" dirty="0" smtClean="0"/>
+              <a:t>:</a:t>
+            </a:r>
+            <a:endParaRPr lang="en-US" dirty="0"/>
+          </a:p>
+        </p:txBody>
+      </p:sp>
+      <p:grpSp>
+        <p:nvGrpSpPr>
+          <p:cNvPr id="2" name="Group 1"/>
+          <p:cNvGrpSpPr/>
+          <p:nvPr/>
+        </p:nvGrpSpPr>
+        <p:grpSpPr>
+          <a:xfrm>
+            <a:off x="4758283" y="1106085"/>
+            <a:ext cx="4032448" cy="2592289"/>
+            <a:chOff x="4788024" y="2060848"/>
+            <a:chExt cx="4032448" cy="2592289"/>
+          </a:xfrm>
+        </p:grpSpPr>
+        <p:pic>
+          <p:nvPicPr>
+            <p:cNvPr id="1026" name="Picture 2" descr="C:\Users\Pedro\Desktop\Z_DRIVE_Pedro\2 Music - Controllers\0_MAPS_Traktor\z_other mappings\v6.1.3 - XDJ-XZ mapping\Support files\Source files\pics\XDJ-XZ - Midi config 1.JPG"/>
+            <p:cNvPicPr>
+              <a:picLocks noChangeAspect="1" noChangeArrowheads="1"/>
+            </p:cNvPicPr>
+            <p:nvPr/>
+          </p:nvPicPr>
+          <p:blipFill rotWithShape="1">
+            <a:blip r:embed="rId2" cstate="print">
+              <a:extLst>
+                <a:ext uri="{28A0092B-C50C-407E-A947-70E740481C1C}">
+                  <a14:useLocalDpi xmlns:a14="http://schemas.microsoft.com/office/drawing/2010/main" val="0"/>
+                </a:ext>
+              </a:extLst>
+            </a:blip>
+            <a:srcRect t="20077"/>
+            <a:stretch/>
+          </p:blipFill>
+          <p:spPr bwMode="auto">
+            <a:xfrm>
+              <a:off x="4788024" y="2060848"/>
+              <a:ext cx="4032448" cy="2592289"/>
+            </a:xfrm>
+            <a:prstGeom prst="rect">
+              <a:avLst/>
+            </a:prstGeom>
+            <a:noFill/>
+            <a:extLst>
+              <a:ext uri="{909E8E84-426E-40DD-AFC4-6F175D3DCCD1}">
+                <a14:hiddenFill xmlns:a14="http://schemas.microsoft.com/office/drawing/2010/main">
+                  <a:solidFill>
+                    <a:srgbClr val="FFFFFF"/>
+                  </a:solidFill>
+                </a14:hiddenFill>
+              </a:ext>
+            </a:extLst>
+          </p:spPr>
+        </p:pic>
+        <p:sp>
+          <p:nvSpPr>
+            <p:cNvPr id="5" name="Oval 4"/>
+            <p:cNvSpPr/>
+            <p:nvPr/>
+          </p:nvSpPr>
+          <p:spPr>
+            <a:xfrm>
+              <a:off x="5796136" y="2780928"/>
+              <a:ext cx="502625" cy="734009"/>
+            </a:xfrm>
+            <a:prstGeom prst="ellipse">
+              <a:avLst/>
+            </a:prstGeom>
+            <a:noFill/>
+            <a:ln>
+              <a:solidFill>
+                <a:srgbClr val="FF0000"/>
+              </a:solidFill>
+            </a:ln>
+          </p:spPr>
+          <p:style>
+            <a:lnRef idx="2">
+              <a:schemeClr val="accent1">
+                <a:shade val="50000"/>
+              </a:schemeClr>
+            </a:lnRef>
+            <a:fillRef idx="1">
+              <a:schemeClr val="accent1"/>
+            </a:fillRef>
+            <a:effectRef idx="0">
+              <a:schemeClr val="accent1"/>
+            </a:effectRef>
+            <a:fontRef idx="minor">
+              <a:schemeClr val="lt1"/>
+            </a:fontRef>
+          </p:style>
+          <p:txBody>
+            <a:bodyPr rtlCol="0" anchor="ctr"/>
+            <a:lstStyle/>
+            <a:p>
+              <a:pPr algn="ctr"/>
+              <a:endParaRPr lang="en-US"/>
+            </a:p>
+          </p:txBody>
+        </p:sp>
+        <p:sp>
+          <p:nvSpPr>
+            <p:cNvPr id="18" name="Oval 17"/>
+            <p:cNvSpPr/>
+            <p:nvPr/>
+          </p:nvSpPr>
+          <p:spPr>
+            <a:xfrm>
+              <a:off x="6199848" y="2736726"/>
+              <a:ext cx="502625" cy="734009"/>
+            </a:xfrm>
+            <a:prstGeom prst="ellipse">
+              <a:avLst/>
+            </a:prstGeom>
+            <a:noFill/>
+            <a:ln>
+              <a:solidFill>
+                <a:srgbClr val="FF0000"/>
+              </a:solidFill>
+            </a:ln>
+          </p:spPr>
+          <p:style>
+            <a:lnRef idx="2">
+              <a:schemeClr val="accent1">
+                <a:shade val="50000"/>
+              </a:schemeClr>
+            </a:lnRef>
+            <a:fillRef idx="1">
+              <a:schemeClr val="accent1"/>
+            </a:fillRef>
+            <a:effectRef idx="0">
+              <a:schemeClr val="accent1"/>
+            </a:effectRef>
+            <a:fontRef idx="minor">
+              <a:schemeClr val="lt1"/>
+            </a:fontRef>
+          </p:style>
+          <p:txBody>
+            <a:bodyPr rtlCol="0" anchor="ctr"/>
+            <a:lstStyle/>
+            <a:p>
+              <a:pPr algn="ctr"/>
+              <a:endParaRPr lang="en-US"/>
+            </a:p>
+          </p:txBody>
+        </p:sp>
+        <p:sp>
+          <p:nvSpPr>
+            <p:cNvPr id="19" name="Oval 18"/>
+            <p:cNvSpPr/>
+            <p:nvPr/>
+          </p:nvSpPr>
+          <p:spPr>
+            <a:xfrm>
+              <a:off x="6603561" y="2754635"/>
+              <a:ext cx="502625" cy="734009"/>
+            </a:xfrm>
+            <a:prstGeom prst="ellipse">
+              <a:avLst/>
+            </a:prstGeom>
+            <a:noFill/>
+            <a:ln>
+              <a:solidFill>
+                <a:srgbClr val="FF0000"/>
+              </a:solidFill>
+            </a:ln>
+          </p:spPr>
+          <p:style>
+            <a:lnRef idx="2">
+              <a:schemeClr val="accent1">
+                <a:shade val="50000"/>
+              </a:schemeClr>
+            </a:lnRef>
+            <a:fillRef idx="1">
+              <a:schemeClr val="accent1"/>
+            </a:fillRef>
+            <a:effectRef idx="0">
+              <a:schemeClr val="accent1"/>
+            </a:effectRef>
+            <a:fontRef idx="minor">
+              <a:schemeClr val="lt1"/>
+            </a:fontRef>
+          </p:style>
+          <p:txBody>
+            <a:bodyPr rtlCol="0" anchor="ctr"/>
+            <a:lstStyle/>
+            <a:p>
+              <a:pPr algn="ctr"/>
+              <a:endParaRPr lang="en-US"/>
+            </a:p>
+          </p:txBody>
+        </p:sp>
+      </p:grpSp>
+      <p:grpSp>
+        <p:nvGrpSpPr>
+          <p:cNvPr id="11" name="Group 10"/>
+          <p:cNvGrpSpPr/>
+          <p:nvPr/>
+        </p:nvGrpSpPr>
+        <p:grpSpPr>
+          <a:xfrm>
+            <a:off x="234614" y="1106085"/>
+            <a:ext cx="4320930" cy="2592289"/>
+            <a:chOff x="264355" y="2060848"/>
+            <a:chExt cx="4320930" cy="2592289"/>
+          </a:xfrm>
+        </p:grpSpPr>
+        <p:pic>
+          <p:nvPicPr>
+            <p:cNvPr id="1027" name="Picture 3" descr="C:\Users\Pedro\Desktop\Z_DRIVE_Pedro\2 Music - Controllers\0_MAPS_Traktor\z_other mappings\v6.1.3 - XDJ-XZ mapping\Support files\Source files\pics\XDJ-XZ - Midi config 3.jpg"/>
+            <p:cNvPicPr>
+              <a:picLocks noChangeAspect="1" noChangeArrowheads="1"/>
+            </p:cNvPicPr>
+            <p:nvPr/>
+          </p:nvPicPr>
+          <p:blipFill rotWithShape="1">
+            <a:blip r:embed="rId3" cstate="print">
+              <a:extLst>
+                <a:ext uri="{28A0092B-C50C-407E-A947-70E740481C1C}">
+                  <a14:useLocalDpi xmlns:a14="http://schemas.microsoft.com/office/drawing/2010/main" val="0"/>
+                </a:ext>
+              </a:extLst>
+            </a:blip>
+            <a:srcRect l="1877" t="28859"/>
+            <a:stretch/>
+          </p:blipFill>
+          <p:spPr bwMode="auto">
+            <a:xfrm>
+              <a:off x="264355" y="2060848"/>
+              <a:ext cx="4320930" cy="2592289"/>
+            </a:xfrm>
+            <a:prstGeom prst="rect">
+              <a:avLst/>
+            </a:prstGeom>
+            <a:noFill/>
+            <a:extLst>
+              <a:ext uri="{909E8E84-426E-40DD-AFC4-6F175D3DCCD1}">
+                <a14:hiddenFill xmlns:a14="http://schemas.microsoft.com/office/drawing/2010/main">
+                  <a:solidFill>
+                    <a:srgbClr val="FFFFFF"/>
+                  </a:solidFill>
+                </a14:hiddenFill>
+              </a:ext>
+            </a:extLst>
+          </p:spPr>
+        </p:pic>
+        <p:sp>
+          <p:nvSpPr>
+            <p:cNvPr id="6" name="Oval 5"/>
+            <p:cNvSpPr/>
+            <p:nvPr/>
+          </p:nvSpPr>
+          <p:spPr>
+            <a:xfrm>
+              <a:off x="394445" y="3789040"/>
+              <a:ext cx="468052" cy="361383"/>
+            </a:xfrm>
+            <a:prstGeom prst="ellipse">
+              <a:avLst/>
+            </a:prstGeom>
+            <a:noFill/>
+            <a:ln>
+              <a:solidFill>
+                <a:srgbClr val="FF0000"/>
+              </a:solidFill>
+            </a:ln>
+          </p:spPr>
+          <p:style>
+            <a:lnRef idx="2">
+              <a:schemeClr val="accent1">
+                <a:shade val="50000"/>
+              </a:schemeClr>
+            </a:lnRef>
+            <a:fillRef idx="1">
+              <a:schemeClr val="accent1"/>
+            </a:fillRef>
+            <a:effectRef idx="0">
+              <a:schemeClr val="accent1"/>
+            </a:effectRef>
+            <a:fontRef idx="minor">
+              <a:schemeClr val="lt1"/>
+            </a:fontRef>
+          </p:style>
+          <p:txBody>
+            <a:bodyPr rtlCol="0" anchor="ctr"/>
+            <a:lstStyle/>
+            <a:p>
+              <a:pPr algn="ctr"/>
+              <a:endParaRPr lang="en-US"/>
+            </a:p>
+          </p:txBody>
+        </p:sp>
+        <p:sp>
+          <p:nvSpPr>
+            <p:cNvPr id="7" name="Oval 6"/>
+            <p:cNvSpPr/>
+            <p:nvPr/>
+          </p:nvSpPr>
+          <p:spPr>
+            <a:xfrm>
+              <a:off x="611560" y="3041155"/>
+              <a:ext cx="2592288" cy="473782"/>
+            </a:xfrm>
+            <a:prstGeom prst="ellipse">
+              <a:avLst/>
+            </a:prstGeom>
+            <a:noFill/>
+            <a:ln>
+              <a:solidFill>
+                <a:srgbClr val="FF0000"/>
+              </a:solidFill>
+            </a:ln>
+          </p:spPr>
+          <p:style>
+            <a:lnRef idx="2">
+              <a:schemeClr val="accent1">
+                <a:shade val="50000"/>
+              </a:schemeClr>
+            </a:lnRef>
+            <a:fillRef idx="1">
+              <a:schemeClr val="accent1"/>
+            </a:fillRef>
+            <a:effectRef idx="0">
+              <a:schemeClr val="accent1"/>
+            </a:effectRef>
+            <a:fontRef idx="minor">
+              <a:schemeClr val="lt1"/>
+            </a:fontRef>
+          </p:style>
+          <p:txBody>
+            <a:bodyPr rtlCol="0" anchor="ctr"/>
+            <a:lstStyle/>
+            <a:p>
+              <a:pPr algn="ctr"/>
+              <a:endParaRPr lang="en-US"/>
+            </a:p>
+          </p:txBody>
+        </p:sp>
+        <p:sp>
+          <p:nvSpPr>
+            <p:cNvPr id="20" name="Oval 19"/>
+            <p:cNvSpPr/>
+            <p:nvPr/>
+          </p:nvSpPr>
+          <p:spPr>
+            <a:xfrm>
+              <a:off x="2190794" y="3789040"/>
+              <a:ext cx="468052" cy="433389"/>
+            </a:xfrm>
+            <a:prstGeom prst="ellipse">
+              <a:avLst/>
+            </a:prstGeom>
+            <a:noFill/>
+            <a:ln>
+              <a:solidFill>
+                <a:srgbClr val="FF0000"/>
+              </a:solidFill>
+            </a:ln>
+          </p:spPr>
+          <p:style>
+            <a:lnRef idx="2">
+              <a:schemeClr val="accent1">
+                <a:shade val="50000"/>
+              </a:schemeClr>
+            </a:lnRef>
+            <a:fillRef idx="1">
+              <a:schemeClr val="accent1"/>
+            </a:fillRef>
+            <a:effectRef idx="0">
+              <a:schemeClr val="accent1"/>
+            </a:effectRef>
+            <a:fontRef idx="minor">
+              <a:schemeClr val="lt1"/>
+            </a:fontRef>
+          </p:style>
+          <p:txBody>
+            <a:bodyPr rtlCol="0" anchor="ctr"/>
+            <a:lstStyle/>
+            <a:p>
+              <a:pPr algn="ctr"/>
+              <a:endParaRPr lang="en-US"/>
+            </a:p>
+          </p:txBody>
+        </p:sp>
+      </p:grpSp>
+    </p:spTree>
+    <p:extLst>
+      <p:ext uri="{BB962C8B-B14F-4D97-AF65-F5344CB8AC3E}">
+        <p14:creationId xmlns:p14="http://schemas.microsoft.com/office/powerpoint/2010/main" val="3859452835"/>
+      </p:ext>
+    </p:extLst>
+  </p:cSld>
+  <p:clrMapOvr>
+    <a:masterClrMapping/>
+  </p:clrMapOvr>
+</p:sld>
+</file>
+
+<file path=ppt/slides/slide3.xml><?xml version="1.0" encoding="utf-8"?>
+<p:sld xmlns:a="http://schemas.openxmlformats.org/drawingml/2006/main" xmlns:r="http://schemas.openxmlformats.org/officeDocument/2006/relationships" xmlns:p="http://schemas.openxmlformats.org/presentationml/2006/main">
+  <p:cSld>
+    <p:spTree>
+      <p:nvGrpSpPr>
+        <p:cNvPr id="1" name=""/>
+        <p:cNvGrpSpPr/>
+        <p:nvPr/>
+      </p:nvGrpSpPr>
+      <p:grpSpPr>
+        <a:xfrm>
+          <a:off x="0" y="0"/>
+          <a:ext cx="0" cy="0"/>
+          <a:chOff x="0" y="0"/>
+          <a:chExt cx="0" cy="0"/>
+        </a:xfrm>
+      </p:grpSpPr>
+      <p:sp>
+        <p:nvSpPr>
+          <p:cNvPr id="5" name="TextBox 4"/>
+          <p:cNvSpPr txBox="1"/>
+          <p:nvPr/>
+        </p:nvSpPr>
+        <p:spPr>
+          <a:xfrm>
+            <a:off x="395536" y="456822"/>
+            <a:ext cx="6696744" cy="923330"/>
+          </a:xfrm>
+          <a:prstGeom prst="rect">
+            <a:avLst/>
+          </a:prstGeom>
+          <a:noFill/>
+        </p:spPr>
+        <p:txBody>
+          <a:bodyPr wrap="square" rtlCol="0">
+            <a:spAutoFit/>
+          </a:bodyPr>
+          <a:lstStyle/>
+          <a:p>
+            <a:r>
+              <a:rPr lang="en-US" dirty="0" smtClean="0"/>
+              <a:t>Laptop </a:t>
+            </a:r>
+            <a:r>
+              <a:rPr lang="en-US" dirty="0" err="1" smtClean="0"/>
+              <a:t>Config</a:t>
+            </a:r>
+            <a:r>
+              <a:rPr lang="en-US" dirty="0" smtClean="0"/>
+              <a:t>:</a:t>
+            </a:r>
+          </a:p>
+          <a:p>
+            <a:pPr marL="285750" indent="-285750">
+              <a:buFontTx/>
+              <a:buChar char="-"/>
+            </a:pPr>
+            <a:r>
+              <a:rPr lang="en-US" dirty="0" smtClean="0"/>
+              <a:t>Please install the XDJ-XZ driver first</a:t>
+            </a:r>
+          </a:p>
+          <a:p>
+            <a:pPr marL="285750" indent="-285750">
+              <a:buFontTx/>
+              <a:buChar char="-"/>
+            </a:pPr>
+            <a:r>
+              <a:rPr lang="en-US" dirty="0" smtClean="0"/>
+              <a:t>Confirm </a:t>
+            </a:r>
+            <a:r>
+              <a:rPr lang="en-US" dirty="0" err="1"/>
+              <a:t>R</a:t>
+            </a:r>
+            <a:r>
+              <a:rPr lang="en-US" dirty="0" err="1" smtClean="0"/>
+              <a:t>ekordbox</a:t>
+            </a:r>
+            <a:r>
+              <a:rPr lang="en-US" dirty="0" smtClean="0"/>
+              <a:t> works correctly before going to </a:t>
+            </a:r>
+            <a:r>
+              <a:rPr lang="en-US" dirty="0" err="1" smtClean="0"/>
+              <a:t>Traktor</a:t>
+            </a:r>
+            <a:endParaRPr lang="en-US" dirty="0"/>
+          </a:p>
+        </p:txBody>
+      </p:sp>
+    </p:spTree>
+    <p:extLst>
+      <p:ext uri="{BB962C8B-B14F-4D97-AF65-F5344CB8AC3E}">
+        <p14:creationId xmlns:p14="http://schemas.microsoft.com/office/powerpoint/2010/main" val="1743001769"/>
+      </p:ext>
+    </p:extLst>
+  </p:cSld>
+  <p:clrMapOvr>
+    <a:masterClrMapping/>
+  </p:clrMapOvr>
+</p:sld>
+</file>
+
+<file path=ppt/slides/slide4.xml><?xml version="1.0" encoding="utf-8"?>
+<p:sld xmlns:a="http://schemas.openxmlformats.org/drawingml/2006/main" xmlns:r="http://schemas.openxmlformats.org/officeDocument/2006/relationships" xmlns:p="http://schemas.openxmlformats.org/presentationml/2006/main">
+  <p:cSld>
+    <p:spTree>
+      <p:nvGrpSpPr>
+        <p:cNvPr id="1" name=""/>
+        <p:cNvGrpSpPr/>
+        <p:nvPr/>
+      </p:nvGrpSpPr>
+      <p:grpSpPr>
+        <a:xfrm>
+          <a:off x="0" y="0"/>
+          <a:ext cx="0" cy="0"/>
+          <a:chOff x="0" y="0"/>
+          <a:chExt cx="0" cy="0"/>
+        </a:xfrm>
+      </p:grpSpPr>
       <p:pic>
         <p:nvPicPr>
           <p:cNvPr id="3074" name="Picture 2" descr="C:\Users\Pedro\Desktop\Z_DRIVE_Pedro\2 Music - Controllers\0_MAPS_Traktor\DDJ Pioneer\XDJ-XZ version (based on v6.1.2)\pics\bome config.JPG"/>
@@ -3714,7 +4272,7 @@
     </p:spTree>
     <p:extLst>
       <p:ext uri="{BB962C8B-B14F-4D97-AF65-F5344CB8AC3E}">
-        <p14:creationId xmlns:p14="http://schemas.microsoft.com/office/powerpoint/2010/main" val="3859452835"/>
+        <p14:creationId xmlns:p14="http://schemas.microsoft.com/office/powerpoint/2010/main" val="2131168916"/>
       </p:ext>
     </p:extLst>
   </p:cSld>
@@ -3724,7 +4282,7 @@
 </p:sld>
 </file>
 
-<file path=ppt/slides/slide3.xml><?xml version="1.0" encoding="utf-8"?>
+<file path=ppt/slides/slide5.xml><?xml version="1.0" encoding="utf-8"?>
 <p:sld xmlns:a="http://schemas.openxmlformats.org/drawingml/2006/main" xmlns:r="http://schemas.openxmlformats.org/officeDocument/2006/relationships" xmlns:p="http://schemas.openxmlformats.org/presentationml/2006/main">
   <p:cSld>
     <p:spTree>
@@ -4027,6 +4585,48 @@
           </p:txBody>
         </p:sp>
       </p:grpSp>
+      <p:sp>
+        <p:nvSpPr>
+          <p:cNvPr id="10" name="TextBox 9"/>
+          <p:cNvSpPr txBox="1"/>
+          <p:nvPr/>
+        </p:nvSpPr>
+        <p:spPr>
+          <a:xfrm>
+            <a:off x="164028" y="431761"/>
+            <a:ext cx="1534331" cy="369332"/>
+          </a:xfrm>
+          <a:prstGeom prst="rect">
+            <a:avLst/>
+          </a:prstGeom>
+          <a:noFill/>
+        </p:spPr>
+        <p:txBody>
+          <a:bodyPr wrap="none" rtlCol="0">
+            <a:spAutoFit/>
+          </a:bodyPr>
+          <a:lstStyle/>
+          <a:p>
+            <a:r>
+              <a:rPr lang="en-US" dirty="0" err="1" smtClean="0"/>
+              <a:t>Traktor</a:t>
+            </a:r>
+            <a:r>
+              <a:rPr lang="en-US" dirty="0" smtClean="0"/>
+              <a:t> </a:t>
+            </a:r>
+            <a:r>
+              <a:rPr lang="en-US" dirty="0" err="1" smtClean="0"/>
+              <a:t>config</a:t>
+            </a:r>
+            <a:r>
+              <a:rPr lang="en-US" dirty="0" smtClean="0"/>
+              <a:t>:</a:t>
+            </a:r>
+            <a:endParaRPr lang="en-US" dirty="0"/>
+          </a:p>
+        </p:txBody>
+      </p:sp>
     </p:spTree>
     <p:extLst>
       <p:ext uri="{BB962C8B-B14F-4D97-AF65-F5344CB8AC3E}">
@@ -4040,7 +4640,7 @@
 </p:sld>
 </file>
 
-<file path=ppt/slides/slide4.xml><?xml version="1.0" encoding="utf-8"?>
+<file path=ppt/slides/slide6.xml><?xml version="1.0" encoding="utf-8"?>
 <p:sld xmlns:a="http://schemas.openxmlformats.org/drawingml/2006/main" xmlns:r="http://schemas.openxmlformats.org/officeDocument/2006/relationships" xmlns:p="http://schemas.openxmlformats.org/presentationml/2006/main">
   <p:cSld>
     <p:spTree>
@@ -4254,12 +4854,13 @@
           <a:p>
             <a:r>
               <a:rPr lang="en-US" u="sng" dirty="0" smtClean="0"/>
-              <a:t>DO NOT</a:t>
+              <a:t>DO NOT put XDJ-XZ here</a:t>
             </a:r>
             <a:r>
               <a:rPr lang="en-US" dirty="0" smtClean="0"/>
-              <a:t> put XDJ-XZ here!!!</a:t>
-            </a:r>
+              <a:t>!!!!</a:t>
+            </a:r>
+            <a:endParaRPr lang="en-US" dirty="0" smtClean="0"/>
           </a:p>
         </p:txBody>
       </p:sp>

--- a/traktor/mapping_xdj_xz/Support files/Source files/XDJ-XZ - Installation Instructions.pptx
+++ b/traktor/mapping_xdj_xz/Support files/Source files/XDJ-XZ - Installation Instructions.pptx
@@ -293,7 +293,7 @@
           <a:p>
             <a:fld id="{8663B94E-A626-433F-982C-2D80FFE8B9BA}" type="datetimeFigureOut">
               <a:rPr lang="en-US" smtClean="0"/>
-              <a:t>12/28/2019</a:t>
+              <a:t>2/7/2020</a:t>
             </a:fld>
             <a:endParaRPr lang="en-US"/>
           </a:p>
@@ -463,7 +463,7 @@
           <a:p>
             <a:fld id="{8663B94E-A626-433F-982C-2D80FFE8B9BA}" type="datetimeFigureOut">
               <a:rPr lang="en-US" smtClean="0"/>
-              <a:t>12/28/2019</a:t>
+              <a:t>2/7/2020</a:t>
             </a:fld>
             <a:endParaRPr lang="en-US"/>
           </a:p>
@@ -643,7 +643,7 @@
           <a:p>
             <a:fld id="{8663B94E-A626-433F-982C-2D80FFE8B9BA}" type="datetimeFigureOut">
               <a:rPr lang="en-US" smtClean="0"/>
-              <a:t>12/28/2019</a:t>
+              <a:t>2/7/2020</a:t>
             </a:fld>
             <a:endParaRPr lang="en-US"/>
           </a:p>
@@ -813,7 +813,7 @@
           <a:p>
             <a:fld id="{8663B94E-A626-433F-982C-2D80FFE8B9BA}" type="datetimeFigureOut">
               <a:rPr lang="en-US" smtClean="0"/>
-              <a:t>12/28/2019</a:t>
+              <a:t>2/7/2020</a:t>
             </a:fld>
             <a:endParaRPr lang="en-US"/>
           </a:p>
@@ -1059,7 +1059,7 @@
           <a:p>
             <a:fld id="{8663B94E-A626-433F-982C-2D80FFE8B9BA}" type="datetimeFigureOut">
               <a:rPr lang="en-US" smtClean="0"/>
-              <a:t>12/28/2019</a:t>
+              <a:t>2/7/2020</a:t>
             </a:fld>
             <a:endParaRPr lang="en-US"/>
           </a:p>
@@ -1347,7 +1347,7 @@
           <a:p>
             <a:fld id="{8663B94E-A626-433F-982C-2D80FFE8B9BA}" type="datetimeFigureOut">
               <a:rPr lang="en-US" smtClean="0"/>
-              <a:t>12/28/2019</a:t>
+              <a:t>2/7/2020</a:t>
             </a:fld>
             <a:endParaRPr lang="en-US"/>
           </a:p>
@@ -1769,7 +1769,7 @@
           <a:p>
             <a:fld id="{8663B94E-A626-433F-982C-2D80FFE8B9BA}" type="datetimeFigureOut">
               <a:rPr lang="en-US" smtClean="0"/>
-              <a:t>12/28/2019</a:t>
+              <a:t>2/7/2020</a:t>
             </a:fld>
             <a:endParaRPr lang="en-US"/>
           </a:p>
@@ -1887,7 +1887,7 @@
           <a:p>
             <a:fld id="{8663B94E-A626-433F-982C-2D80FFE8B9BA}" type="datetimeFigureOut">
               <a:rPr lang="en-US" smtClean="0"/>
-              <a:t>12/28/2019</a:t>
+              <a:t>2/7/2020</a:t>
             </a:fld>
             <a:endParaRPr lang="en-US"/>
           </a:p>
@@ -1982,7 +1982,7 @@
           <a:p>
             <a:fld id="{8663B94E-A626-433F-982C-2D80FFE8B9BA}" type="datetimeFigureOut">
               <a:rPr lang="en-US" smtClean="0"/>
-              <a:t>12/28/2019</a:t>
+              <a:t>2/7/2020</a:t>
             </a:fld>
             <a:endParaRPr lang="en-US"/>
           </a:p>
@@ -2259,7 +2259,7 @@
           <a:p>
             <a:fld id="{8663B94E-A626-433F-982C-2D80FFE8B9BA}" type="datetimeFigureOut">
               <a:rPr lang="en-US" smtClean="0"/>
-              <a:t>12/28/2019</a:t>
+              <a:t>2/7/2020</a:t>
             </a:fld>
             <a:endParaRPr lang="en-US"/>
           </a:p>
@@ -2512,7 +2512,7 @@
           <a:p>
             <a:fld id="{8663B94E-A626-433F-982C-2D80FFE8B9BA}" type="datetimeFigureOut">
               <a:rPr lang="en-US" smtClean="0"/>
-              <a:t>12/28/2019</a:t>
+              <a:t>2/7/2020</a:t>
             </a:fld>
             <a:endParaRPr lang="en-US"/>
           </a:p>
@@ -2725,7 +2725,7 @@
           <a:p>
             <a:fld id="{8663B94E-A626-433F-982C-2D80FFE8B9BA}" type="datetimeFigureOut">
               <a:rPr lang="en-US" smtClean="0"/>
-              <a:t>12/28/2019</a:t>
+              <a:t>2/7/2020</a:t>
             </a:fld>
             <a:endParaRPr lang="en-US"/>
           </a:p>
@@ -4076,7 +4076,7 @@
         </p:nvGrpSpPr>
         <p:grpSpPr>
           <a:xfrm>
-            <a:off x="4499992" y="433110"/>
+            <a:off x="4545808" y="433110"/>
             <a:ext cx="4266243" cy="1737484"/>
             <a:chOff x="61946" y="4067780"/>
             <a:chExt cx="4695826" cy="2282896"/>
@@ -4860,7 +4860,6 @@
               <a:rPr lang="en-US" dirty="0" smtClean="0"/>
               <a:t>!!!!</a:t>
             </a:r>
-            <a:endParaRPr lang="en-US" dirty="0" smtClean="0"/>
           </a:p>
         </p:txBody>
       </p:sp>
